--- a/Shark Attacks.pptx
+++ b/Shark Attacks.pptx
@@ -247,7 +247,7 @@
           <a:p>
             <a:fld id="{91EAC07A-C0E5-4FA7-86BF-CBA7F0168676}" type="datetimeFigureOut">
               <a:rPr lang="en-US" smtClean="0"/>
-              <a:t>7/27/21</a:t>
+              <a:t>7/29/2021</a:t>
             </a:fld>
             <a:endParaRPr lang="en-US"/>
           </a:p>
@@ -415,7 +415,7 @@
           <a:p>
             <a:fld id="{91EAC07A-C0E5-4FA7-86BF-CBA7F0168676}" type="datetimeFigureOut">
               <a:rPr lang="en-US" smtClean="0"/>
-              <a:t>7/27/21</a:t>
+              <a:t>7/29/2021</a:t>
             </a:fld>
             <a:endParaRPr lang="en-US"/>
           </a:p>
@@ -593,7 +593,7 @@
           <a:p>
             <a:fld id="{91EAC07A-C0E5-4FA7-86BF-CBA7F0168676}" type="datetimeFigureOut">
               <a:rPr lang="en-US" smtClean="0"/>
-              <a:t>7/27/21</a:t>
+              <a:t>7/29/2021</a:t>
             </a:fld>
             <a:endParaRPr lang="en-US"/>
           </a:p>
@@ -761,7 +761,7 @@
           <a:p>
             <a:fld id="{91EAC07A-C0E5-4FA7-86BF-CBA7F0168676}" type="datetimeFigureOut">
               <a:rPr lang="en-US" smtClean="0"/>
-              <a:t>7/27/21</a:t>
+              <a:t>7/29/2021</a:t>
             </a:fld>
             <a:endParaRPr lang="en-US"/>
           </a:p>
@@ -1006,7 +1006,7 @@
           <a:p>
             <a:fld id="{91EAC07A-C0E5-4FA7-86BF-CBA7F0168676}" type="datetimeFigureOut">
               <a:rPr lang="en-US" smtClean="0"/>
-              <a:t>7/27/21</a:t>
+              <a:t>7/29/2021</a:t>
             </a:fld>
             <a:endParaRPr lang="en-US"/>
           </a:p>
@@ -1235,7 +1235,7 @@
           <a:p>
             <a:fld id="{91EAC07A-C0E5-4FA7-86BF-CBA7F0168676}" type="datetimeFigureOut">
               <a:rPr lang="en-US" smtClean="0"/>
-              <a:t>7/27/21</a:t>
+              <a:t>7/29/2021</a:t>
             </a:fld>
             <a:endParaRPr lang="en-US"/>
           </a:p>
@@ -1599,7 +1599,7 @@
           <a:p>
             <a:fld id="{91EAC07A-C0E5-4FA7-86BF-CBA7F0168676}" type="datetimeFigureOut">
               <a:rPr lang="en-US" smtClean="0"/>
-              <a:t>7/27/21</a:t>
+              <a:t>7/29/2021</a:t>
             </a:fld>
             <a:endParaRPr lang="en-US"/>
           </a:p>
@@ -1716,7 +1716,7 @@
           <a:p>
             <a:fld id="{91EAC07A-C0E5-4FA7-86BF-CBA7F0168676}" type="datetimeFigureOut">
               <a:rPr lang="en-US" smtClean="0"/>
-              <a:t>7/27/21</a:t>
+              <a:t>7/29/2021</a:t>
             </a:fld>
             <a:endParaRPr lang="en-US"/>
           </a:p>
@@ -1811,7 +1811,7 @@
           <a:p>
             <a:fld id="{91EAC07A-C0E5-4FA7-86BF-CBA7F0168676}" type="datetimeFigureOut">
               <a:rPr lang="en-US" smtClean="0"/>
-              <a:t>7/27/21</a:t>
+              <a:t>7/29/2021</a:t>
             </a:fld>
             <a:endParaRPr lang="en-US"/>
           </a:p>
@@ -2086,7 +2086,7 @@
           <a:p>
             <a:fld id="{91EAC07A-C0E5-4FA7-86BF-CBA7F0168676}" type="datetimeFigureOut">
               <a:rPr lang="en-US" smtClean="0"/>
-              <a:t>7/27/21</a:t>
+              <a:t>7/29/2021</a:t>
             </a:fld>
             <a:endParaRPr lang="en-US"/>
           </a:p>
@@ -2338,7 +2338,7 @@
           <a:p>
             <a:fld id="{91EAC07A-C0E5-4FA7-86BF-CBA7F0168676}" type="datetimeFigureOut">
               <a:rPr lang="en-US" smtClean="0"/>
-              <a:t>7/27/21</a:t>
+              <a:t>7/29/2021</a:t>
             </a:fld>
             <a:endParaRPr lang="en-US"/>
           </a:p>
@@ -2549,7 +2549,7 @@
           <a:p>
             <a:fld id="{91EAC07A-C0E5-4FA7-86BF-CBA7F0168676}" type="datetimeFigureOut">
               <a:rPr lang="en-US" smtClean="0"/>
-              <a:t>7/27/21</a:t>
+              <a:t>7/29/2021</a:t>
             </a:fld>
             <a:endParaRPr lang="en-US"/>
           </a:p>
@@ -3053,22 +3053,96 @@
       </p:sp>
       <p:sp>
         <p:nvSpPr>
-          <p:cNvPr id="3" name="Content Placeholder 2"/>
-          <p:cNvSpPr>
-            <a:spLocks noGrp="1"/>
-          </p:cNvSpPr>
-          <p:nvPr>
-            <p:ph idx="1"/>
-          </p:nvPr>
-        </p:nvSpPr>
-        <p:spPr/>
-        <p:txBody>
-          <a:bodyPr/>
+          <p:cNvPr id="9" name="TextBox 8">
+            <a:extLst>
+              <a:ext uri="{FF2B5EF4-FFF2-40B4-BE49-F238E27FC236}">
+                <a16:creationId xmlns:a16="http://schemas.microsoft.com/office/drawing/2014/main" id="{7BD944C3-F0DC-4D8E-8C24-37C269D8211A}"/>
+              </a:ext>
+            </a:extLst>
+          </p:cNvPr>
+          <p:cNvSpPr txBox="1"/>
+          <p:nvPr/>
+        </p:nvSpPr>
+        <p:spPr>
+          <a:xfrm>
+            <a:off x="3047301" y="1445938"/>
+            <a:ext cx="6094602" cy="3970318"/>
+          </a:xfrm>
+          <a:prstGeom prst="rect">
+            <a:avLst/>
+          </a:prstGeom>
+          <a:noFill/>
+        </p:spPr>
+        <p:txBody>
+          <a:bodyPr wrap="square">
+            <a:spAutoFit/>
+          </a:bodyPr>
           <a:lstStyle/>
           <a:p>
             <a:r>
               <a:rPr lang="en-US" dirty="0"/>
-              <a:t>Using the shark attack data to generate a dashboard that shows shark attack statistics by county when you click the country, the dashboard will also have table of all shark attack data in the dataset that the user will be able to filter, and finally there will be some additional charts to relations between various aspects of the data.</a:t>
+              <a:t>A shark attack database was downloaded from Kaggle.com and data cleaning was performed. The clean data was then used to create a dashboard with several shark attack statistics around the globe. The shark attack data is also presented in geographic and tabular formats.</a:t>
+            </a:r>
+            <a:br>
+              <a:rPr lang="en-US" dirty="0"/>
+            </a:br>
+            <a:r>
+              <a:rPr lang="en-US" dirty="0"/>
+              <a:t>The following technologies were used in the project:</a:t>
+            </a:r>
+            <a:br>
+              <a:rPr lang="en-US" dirty="0"/>
+            </a:br>
+            <a:r>
+              <a:rPr lang="en-US" dirty="0"/>
+              <a:t>Python</a:t>
+            </a:r>
+            <a:br>
+              <a:rPr lang="en-US" dirty="0"/>
+            </a:br>
+            <a:r>
+              <a:rPr lang="en-US" dirty="0"/>
+              <a:t>Pandas</a:t>
+            </a:r>
+            <a:br>
+              <a:rPr lang="en-US" dirty="0"/>
+            </a:br>
+            <a:r>
+              <a:rPr lang="en-US" dirty="0" err="1"/>
+              <a:t>Javascript</a:t>
+            </a:r>
+            <a:br>
+              <a:rPr lang="en-US" dirty="0"/>
+            </a:br>
+            <a:r>
+              <a:rPr lang="en-US" dirty="0"/>
+              <a:t>D3</a:t>
+            </a:r>
+            <a:br>
+              <a:rPr lang="en-US" dirty="0"/>
+            </a:br>
+            <a:r>
+              <a:rPr lang="en-US" dirty="0" err="1"/>
+              <a:t>Plotly</a:t>
+            </a:r>
+            <a:br>
+              <a:rPr lang="en-US" dirty="0"/>
+            </a:br>
+            <a:r>
+              <a:rPr lang="en-US" dirty="0"/>
+              <a:t>Chart.js </a:t>
+            </a:r>
+          </a:p>
+          <a:p>
+            <a:r>
+              <a:rPr lang="en-US" dirty="0"/>
+              <a:t>Leaflet </a:t>
+            </a:r>
+          </a:p>
+          <a:p>
+            <a:r>
+              <a:rPr lang="en-US" dirty="0"/>
+              <a:t>Map Box</a:t>
             </a:r>
           </a:p>
         </p:txBody>
